--- a/assignments/P3/P3.pptx
+++ b/assignments/P3/P3.pptx
@@ -229,25 +229,25 @@
       <style:drawing-page-properties presentation:display-header="true" presentation:display-footer="true" presentation:display-page-number="false" presentation:display-date-time="true"/>
     </style:style>
     <style:style style:name="gr1" style:family="graphic" style:parent-style-name="standard">
-      <style:graphic-properties draw:stroke="none" svg:stroke-color="#000000" draw:fill="none" draw:fill-color="#ffffff" draw:auto-grow-height="true" draw:auto-grow-width="false" fo:max-height="0cm" fo:min-height="0.704cm"/>
+      <style:graphic-properties draw:stroke="none" svg:stroke-color="#000000" draw:fill="none" draw:fill-color="#ffffff" draw:auto-grow-height="true" draw:auto-grow-width="false" fo:max-height="0cm" fo:min-height="0.712cm"/>
     </style:style>
     <style:style style:name="gr2" style:family="graphic">
       <style:graphic-properties style:protect="size"/>
     </style:style>
     <style:style style:name="gr3" style:family="graphic" style:parent-style-name="standard">
-      <style:graphic-properties draw:stroke="none" draw:fill="none" fo:min-height="0.705cm"/>
+      <style:graphic-properties draw:stroke="none" draw:fill="none" fo:min-height="0.712cm"/>
     </style:style>
     <style:style style:name="gr4" style:family="graphic" style:parent-style-name="Object_20_with_20_no_20_fill_20_and_20_no_20_line">
       <style:graphic-properties draw:stroke="none" draw:fill="none" draw:textarea-vertical-align="middle" draw:color-mode="standard" draw:luminance="0%" draw:contrast="0%" draw:gamma="100%" draw:red="0%" draw:green="0%" draw:blue="0%" fo:clip="rect(0cm, 0cm, 0cm, 0cm)" draw:image-opacity="100%" style:mirror="none"/>
     </style:style>
     <style:style style:name="gr5" style:family="graphic" style:parent-style-name="standard">
-      <style:graphic-properties draw:stroke="none" svg:stroke-color="#000000" draw:fill="none" draw:fill-color="#ffffff" draw:textarea-horizontal-align="left" draw:auto-grow-height="true" draw:auto-grow-width="false" fo:min-height="0.488cm" fo:min-width="0cm"/>
+      <style:graphic-properties draw:stroke="none" svg:stroke-color="#000000" draw:fill="none" draw:fill-color="#ffffff" draw:textarea-horizontal-align="left" draw:auto-grow-height="true" draw:auto-grow-width="false" fo:min-height="0.497cm" fo:min-width="0cm"/>
     </style:style>
     <style:style style:name="gr6" style:family="graphic" style:parent-style-name="standard">
-      <style:graphic-properties draw:stroke="none" svg:stroke-color="#000000" draw:fill="none" draw:fill-color="#ffffff" draw:textarea-horizontal-align="left" draw:auto-grow-height="true" draw:auto-grow-width="true" fo:min-height="1.415cm" fo:min-width="24.081cm"/>
+      <style:graphic-properties draw:stroke="none" svg:stroke-color="#000000" draw:fill="none" draw:fill-color="#ffffff" draw:textarea-horizontal-align="left" draw:auto-grow-height="true" draw:auto-grow-width="true" fo:min-height="1.423cm" fo:min-width="24.081cm"/>
     </style:style>
     <style:style style:name="gr7" style:family="graphic" style:parent-style-name="standard">
-      <style:graphic-properties draw:stroke="none" svg:stroke-color="#000000" draw:fill="none" draw:fill-color="#ffffff" draw:textarea-horizontal-align="left" draw:auto-grow-height="true" draw:auto-grow-width="true" fo:min-height="1.258cm" fo:min-width="25.267cm"/>
+      <style:graphic-properties draw:stroke="none" svg:stroke-color="#000000" draw:fill="none" draw:fill-color="#ffffff" draw:textarea-horizontal-align="left" draw:auto-grow-height="true" draw:auto-grow-width="true" fo:min-height="1.267cm" fo:min-width="25.267cm"/>
     </style:style>
     <style:style style:name="gr8" style:family="graphic" style:parent-style-name="standard" style:list-style-name="L4">
       <style:graphic-properties draw:stroke="none" svg:stroke-color="#000000" draw:fill="none" draw:fill-color="#ffffff" draw:textarea-horizontal-align="left" draw:auto-grow-height="true" draw:auto-grow-width="false" fo:min-height="7.615cm" fo:min-width="0cm"/>
@@ -259,13 +259,10 @@
       <style:graphic-properties draw:stroke="none" svg:stroke-color="#000000" draw:fill="none" draw:fill-color="#ffffff" draw:textarea-horizontal-align="left" draw:auto-grow-height="true" draw:auto-grow-width="false" fo:min-height="4.922cm" fo:min-width="0cm"/>
     </style:style>
     <style:style style:name="gr11" style:family="graphic" style:parent-style-name="standard">
-      <style:graphic-properties draw:stroke="none" svg:stroke-color="#000000" draw:fill="none" draw:fill-color="#ffffff" draw:textarea-horizontal-align="left" draw:auto-grow-height="true" draw:auto-grow-width="true" fo:min-height="1.407cm" fo:min-width="4.049cm"/>
+      <style:graphic-properties draw:stroke="none" svg:stroke-color="#000000" draw:fill="none" draw:fill-color="#ffffff" draw:textarea-horizontal-align="left" draw:auto-grow-height="true" draw:auto-grow-width="true" fo:min-height="1.423cm" fo:min-width="4.049cm"/>
     </style:style>
     <style:style style:name="gr12" style:family="graphic" style:parent-style-name="standard" style:list-style-name="L3">
-      <style:graphic-properties draw:stroke="none" draw:fill="none" fo:min-height="15.752cm"/>
-    </style:style>
-    <style:style style:name="gr13" style:family="graphic" style:parent-style-name="standard">
-      <style:graphic-properties draw:stroke="none" svg:stroke-color="#000000" draw:fill="none" draw:fill-color="#ffffff" draw:auto-grow-height="true" draw:auto-grow-width="false" fo:max-height="0cm" fo:min-height="0.512cm"/>
+      <style:graphic-properties draw:stroke="none" draw:fill="none" fo:min-height="16.401cm"/>
     </style:style>
     <style:style style:name="pr1" style:family="presentation" style:parent-style-name="Impress-title">
       <style:graphic-properties fo:min-height="4cm"/>
@@ -374,16 +371,10 @@
       <style:text-properties fo:color="#ce181e" fo:font-weight="normal" style:font-weight-asian="normal" style:font-weight-complex="normal"/>
     </style:style>
     <style:style style:name="P25" style:family="paragraph">
-      <style:text-properties fo:font-size="26pt" style:font-size-asian="26pt" style:font-size-complex="26pt"/>
-    </style:style>
-    <style:style style:name="P26" style:family="paragraph">
       <loext:graphic-properties draw:fill="none"/>
       <style:text-properties fo:font-size="26pt" style:font-size-asian="26pt" style:font-size-complex="26pt"/>
     </style:style>
-    <style:style style:name="P27" style:family="paragraph">
-      <style:text-properties fo:color="#ce181e" fo:font-size="36pt" fo:font-weight="normal" style:font-size-asian="36pt" style:font-weight-asian="normal" style:font-size-complex="36pt" style:font-weight-complex="normal"/>
-    </style:style>
-    <style:style style:name="P28" style:family="paragraph">
+    <style:style style:name="P26" style:family="paragraph">
       <style:text-properties fo:color="#ce181e" fo:font-size="36pt" style:font-size-asian="36pt" style:font-size-complex="36pt"/>
     </style:style>
     <style:style style:name="T1" style:family="text">
@@ -2067,7 +2058,7 @@
           <draw:text-box>
             <text:list text:style-name="L3">
               <text:list-item>
-                <text:p text:style-name="P20">
+                <text:p>
                   <text:span text:style-name="T12">Study was conducted on:</text:span>
                   <text:span text:style-name="T12">
                     <text:line-break/>
@@ -2090,7 +2081,7 @@
                 </text:p>
               </text:list-item>
               <text:list-item>
-                <text:p text:style-name="P20">
+                <text:p>
                   <text:span text:style-name="T25">Google’s PC and Mobile search log from a week in Sep-Oct 2008</text:span>
                   <text:span text:style-name="T25">
                     <text:line-break/>
@@ -2099,7 +2090,7 @@
                 </text:p>
               </text:list-item>
               <text:list-item>
-                <text:p text:style-name="P20">
+                <text:p>
                   <text:span text:style-name="T25">Sampled 400 abandoned queries from Japan, US, and 1000 from China for both mobile and PC.</text:span>
                 </text:p>
               </text:list-item>
@@ -2502,7 +2493,7 @@
         <office:forms form:automatic-focus="false" form:apply-design-mode="false"/>
         <draw:frame presentation:style-name="pr7" draw:text-style-name="P23" draw:layer="layout" svg:width="24.599cm" svg:height="3.507cm" svg:x="2cm" svg:y="0.836cm" presentation:class="title" presentation:user-transformed="true">
           <draw:text-box>
-            <text:p text:style-name="P23">
+            <text:p>
               <text:span text:style-name="T32">Some Interesting Results:</text:span>
             </text:p>
           </draw:text-box>
@@ -2547,7 +2538,7 @@
         <office:forms form:automatic-focus="false" form:apply-design-mode="false"/>
         <draw:frame presentation:style-name="pr7" draw:text-style-name="P24" draw:layer="layout" svg:width="24.599cm" svg:height="3.507cm" svg:x="2cm" svg:y="0.836cm" presentation:class="title">
           <draw:text-box>
-            <text:p text:style-name="P24">
+            <text:p>
               <text:span text:style-name="T33">What to improve?</text:span>
             </text:p>
           </draw:text-box>
@@ -2557,30 +2548,30 @@
             <text:p/>
           </draw:image>
         </draw:frame>
-        <draw:frame draw:style-name="gr12" draw:text-style-name="P26" draw:layer="layout" svg:width="12.446cm" svg:height="16.651cm" svg:x="0.762cm" svg:y="4.064cm">
+        <draw:frame draw:style-name="gr12" draw:text-style-name="P25" draw:layer="layout" svg:width="12.446cm" svg:height="16.651cm" svg:x="0.762cm" svg:y="4.064cm">
           <draw:text-box>
             <text:list text:style-name="L3">
               <text:list-item>
-                <text:p text:style-name="P25">
+                <text:p>
                   <text:span text:style-name="T34">Categories like </text:span>
                   <text:span text:style-name="T35">Celebrities, Local, Answer</text:span>
                   <text:span text:style-name="T34"> have scope for improvement.</text:span>
                 </text:p>
               </text:list-item>
               <text:list-item>
-                <text:p text:style-name="P25">
+                <text:p>
                   <text:span text:style-name="T34">search engines should address </text:span>
                   <text:span text:style-name="T36">“Local”, “Image”</text:span>
                   <text:span text:style-name="T34"> information needs by adding features like “Shortcut Insertions”.</text:span>
                 </text:p>
               </text:list-item>
               <text:list-item>
-                <text:p text:style-name="P25">
+                <text:p>
                   <text:span text:style-name="T34">The “Answer” category requires more intelligent snippets.</text:span>
                 </text:p>
               </text:list-item>
               <text:list-item>
-                <text:p text:style-name="P25">
+                <text:p>
                   <text:span text:style-name="T34">Longer snippets is better for mobile users since loading a web page is a hassle.</text:span>
                 </text:p>
               </text:list-item>
@@ -2650,7 +2641,6 @@
           </draw:text-box>
         </draw:frame>
         <presentation:notes draw:style-name="dp2">
-          <office:forms form:automatic-focus="false" form:apply-design-mode="false"/>
           <draw:page-thumbnail draw:style-name="gr2" draw:layer="layout" svg:width="14.848cm" svg:height="11.136cm" svg:x="3.075cm" svg:y="2.257cm" draw:page-number="41" presentation:class="page"/>
           <draw:frame presentation:style-name="pr6" draw:text-style-name="P1" draw:layer="layout" svg:width="16.799cm" svg:height="13.364cm" svg:x="2.1cm" svg:y="14.107cm" presentation:class="notes" presentation:placeholder="true">
             <draw:text-box/>
@@ -2661,7 +2651,7 @@
         <office:forms form:automatic-focus="false" form:apply-design-mode="false"/>
         <draw:frame presentation:style-name="pr7" draw:layer="layout" svg:width="24.599cm" svg:height="3.507cm" svg:x="2cm" svg:y="0.836cm" presentation:class="title" presentation:user-transformed="true">
           <draw:text-box>
-            <text:p text:style-name="P24">
+            <text:p>
               <text:span text:style-name="T33">Take Away Message:</text:span>
             </text:p>
           </draw:text-box>
@@ -2695,9 +2685,9 @@
       </draw:page>
       <draw:page draw:name="page43" draw:style-name="dp1" draw:master-page-name="Impress1" presentation:presentation-page-layout-name="AL2T1">
         <office:forms form:automatic-focus="false" form:apply-design-mode="false"/>
-        <draw:frame presentation:style-name="pr7" draw:text-style-name="P28" draw:layer="layout" svg:width="24.599cm" svg:height="3.507cm" svg:x="2cm" svg:y="0.836cm" presentation:class="title">
-          <draw:text-box>
-            <text:p text:style-name="P27">
+        <draw:frame presentation:style-name="pr7" draw:text-style-name="P26" draw:layer="layout" svg:width="24.599cm" svg:height="3.507cm" svg:x="2cm" svg:y="0.836cm" presentation:class="title">
+          <draw:text-box>
+            <text:p>
               <text:span text:style-name="T37">Good Citation?</text:span>
             </text:p>
           </draw:text-box>
@@ -2759,13 +2749,12 @@
             </text:list>
           </draw:text-box>
         </draw:frame>
-        <draw:frame draw:style-name="gr13" draw:text-style-name="P2" draw:layer="layout" svg:width="1.27cm" svg:height="0.962cm" svg:x="0.508cm" svg:y="19.304cm">
+        <draw:frame draw:style-name="gr1" draw:text-style-name="P2" draw:layer="layout" svg:width="1.27cm" svg:height="0.962cm" svg:x="0.508cm" svg:y="19.304cm">
           <draw:text-box>
             <text:p>44</text:p>
           </draw:text-box>
         </draw:frame>
         <presentation:notes draw:style-name="dp2">
-          <office:forms form:automatic-focus="false" form:apply-design-mode="false"/>
           <draw:page-thumbnail draw:style-name="gr2" draw:layer="layout" svg:width="14.848cm" svg:height="11.136cm" svg:x="3.075cm" svg:y="2.257cm" draw:page-number="44" presentation:class="page"/>
           <draw:frame presentation:style-name="pr6" draw:text-style-name="P1" draw:layer="layout" svg:width="16.799cm" svg:height="13.364cm" svg:x="2.1cm" svg:y="14.107cm" presentation:class="notes" presentation:placeholder="true">
             <draw:text-box/>
@@ -2795,7 +2784,7 @@
 <office:document-settings xmlns:office="urn:oasis:names:tc:opendocument:xmlns:office:1.0" xmlns:xlink="http://www.w3.org/1999/xlink" xmlns:presentation="urn:oasis:names:tc:opendocument:xmlns:presentation:1.0" xmlns:config="urn:oasis:names:tc:opendocument:xmlns:config:1.0" xmlns:ooo="http://openoffice.org/2004/office" xmlns:smil="urn:oasis:names:tc:opendocument:xmlns:smil-compatible:1.0" xmlns:anim="urn:oasis:names:tc:opendocument:xmlns:animation:1.0" xmlns:officeooo="http://openoffice.org/2009/office" office:version="1.2">
   <office:settings>
     <config:config-item-set config:name="ooo:view-settings">
-      <config:config-item config:name="VisibleAreaTop" config:type="int">408</config:config-item>
+      <config:config-item config:name="VisibleAreaTop" config:type="int">-306</config:config-item>
       <config:config-item config:name="VisibleAreaLeft" config:type="int">-3213</config:config-item>
       <config:config-item config:name="VisibleAreaWidth" config:type="int">34479</config:config-item>
       <config:config-item config:name="VisibleAreaHeight" config:type="int">21651</config:config-item>
@@ -2820,13 +2809,13 @@
           <config:config-item config:name="NoColors" config:type="boolean">true</config:config-item>
           <config:config-item config:name="RulerIsVisible" config:type="boolean">false</config:config-item>
           <config:config-item config:name="PageKind" config:type="short">0</config:config-item>
-          <config:config-item config:name="SelectedPage" config:type="short">13</config:config-item>
+          <config:config-item config:name="SelectedPage" config:type="short">43</config:config-item>
           <config:config-item config:name="IsLayerMode" config:type="boolean">false</config:config-item>
           <config:config-item config:name="IsDoubleClickTextEdit" config:type="boolean">true</config:config-item>
           <config:config-item config:name="IsClickChangeRotation" config:type="boolean">true</config:config-item>
           <config:config-item config:name="SlidesPerRow" config:type="short">4</config:config-item>
           <config:config-item config:name="EditMode" config:type="int">0</config:config-item>
-          <config:config-item config:name="VisibleAreaTop" config:type="int">408</config:config-item>
+          <config:config-item config:name="VisibleAreaTop" config:type="int">-306</config:config-item>
           <config:config-item config:name="VisibleAreaLeft" config:type="int">-3213</config:config-item>
           <config:config-item config:name="VisibleAreaWidth" config:type="int">34480</config:config-item>
           <config:config-item config:name="VisibleAreaHeight" config:type="int">21652</config:config-item>
@@ -3743,7 +3732,6 @@
       </presentation:notes>
     </style:master-page>
     <style:master-page style:name="Impress1" style:page-layout-name="PM1" draw:style-name="Mdp1">
-      <office:forms form:automatic-focus="false" form:apply-design-mode="false"/>
       <draw:frame presentation:style-name="Impress1-title" draw:layer="backgroundobjects" svg:width="24.599cm" svg:height="3.507cm" svg:x="2cm" svg:y="0.836cm" presentation:class="title" presentation:placeholder="true">
         <draw:text-box/>
       </draw:frame>
@@ -3789,7 +3777,6 @@
         <draw:enhanced-geometry svg:viewBox="0 0 21600 21600" draw:type="rectangle" draw:enhanced-path="M 0 0 L 21600 0 21600 21600 0 21600 0 0 Z N"/>
       </draw:custom-shape>
       <presentation:notes style:page-layout-name="PM0">
-        <office:forms form:automatic-focus="false" form:apply-design-mode="false"/>
         <draw:page-thumbnail presentation:style-name="Impress1-title" draw:layer="backgroundobjects" svg:width="14.848cm" svg:height="11.136cm" svg:x="3.075cm" svg:y="2.257cm" presentation:class="page"/>
         <draw:frame presentation:style-name="Impress1-notes" draw:layer="backgroundobjects" svg:width="16.799cm" svg:height="13.364cm" svg:x="2.1cm" svg:y="14.107cm" presentation:class="notes" presentation:placeholder="true">
           <draw:text-box/>
